--- a/Semana06/aula02/apresentacao t.ex.pptx
+++ b/Semana06/aula02/apresentacao t.ex.pptx
@@ -820,7 +820,7 @@
   <p:cSld>
     <p:spTree>
       <p:nvGrpSpPr>
-        <p:cNvPr id="128" name="Shape 128"/>
+        <p:cNvPr id="133" name="Shape 133"/>
         <p:cNvGrpSpPr/>
         <p:nvPr/>
       </p:nvGrpSpPr>
@@ -834,7 +834,7 @@
       </p:grpSpPr>
       <p:sp>
         <p:nvSpPr>
-          <p:cNvPr id="129" name="Google Shape;129;g1a44ebf324e_17_17:notes"/>
+          <p:cNvPr id="134" name="Google Shape;134;ge965474a9_3_50:notes"/>
           <p:cNvSpPr/>
           <p:nvPr>
             <p:ph idx="2" type="sldImg"/>
@@ -869,7 +869,7 @@
       </p:sp>
       <p:sp>
         <p:nvSpPr>
-          <p:cNvPr id="130" name="Google Shape;130;g1a44ebf324e_17_17:notes"/>
+          <p:cNvPr id="135" name="Google Shape;135;ge965474a9_3_50:notes"/>
           <p:cNvSpPr txBox="1"/>
           <p:nvPr>
             <p:ph idx="1" type="body"/>
@@ -919,7 +919,7 @@
   <p:cSld>
     <p:spTree>
       <p:nvGrpSpPr>
-        <p:cNvPr id="138" name="Shape 138"/>
+        <p:cNvPr id="140" name="Shape 140"/>
         <p:cNvGrpSpPr/>
         <p:nvPr/>
       </p:nvGrpSpPr>
@@ -933,7 +933,7 @@
       </p:grpSpPr>
       <p:sp>
         <p:nvSpPr>
-          <p:cNvPr id="139" name="Google Shape;139;ge965474a9_3_50:notes"/>
+          <p:cNvPr id="141" name="Google Shape;141;g1a44ebf324e_0_56:notes"/>
           <p:cNvSpPr/>
           <p:nvPr>
             <p:ph idx="2" type="sldImg"/>
@@ -968,7 +968,7 @@
       </p:sp>
       <p:sp>
         <p:nvSpPr>
-          <p:cNvPr id="140" name="Google Shape;140;ge965474a9_3_50:notes"/>
+          <p:cNvPr id="142" name="Google Shape;142;g1a44ebf324e_0_56:notes"/>
           <p:cNvSpPr txBox="1"/>
           <p:nvPr>
             <p:ph idx="1" type="body"/>
@@ -1018,7 +1018,7 @@
   <p:cSld>
     <p:spTree>
       <p:nvGrpSpPr>
-        <p:cNvPr id="145" name="Shape 145"/>
+        <p:cNvPr id="146" name="Shape 146"/>
         <p:cNvGrpSpPr/>
         <p:nvPr/>
       </p:nvGrpSpPr>
@@ -1032,7 +1032,7 @@
       </p:grpSpPr>
       <p:sp>
         <p:nvSpPr>
-          <p:cNvPr id="146" name="Google Shape;146;g1a44ebf324e_0_56:notes"/>
+          <p:cNvPr id="147" name="Google Shape;147;g1a44ebf324e_14_227:notes"/>
           <p:cNvSpPr/>
           <p:nvPr>
             <p:ph idx="2" type="sldImg"/>
@@ -1067,7 +1067,7 @@
       </p:sp>
       <p:sp>
         <p:nvSpPr>
-          <p:cNvPr id="147" name="Google Shape;147;g1a44ebf324e_0_56:notes"/>
+          <p:cNvPr id="148" name="Google Shape;148;g1a44ebf324e_14_227:notes"/>
           <p:cNvSpPr txBox="1"/>
           <p:nvPr>
             <p:ph idx="1" type="body"/>
@@ -1117,7 +1117,7 @@
   <p:cSld>
     <p:spTree>
       <p:nvGrpSpPr>
-        <p:cNvPr id="151" name="Shape 151"/>
+        <p:cNvPr id="152" name="Shape 152"/>
         <p:cNvGrpSpPr/>
         <p:nvPr/>
       </p:nvGrpSpPr>
@@ -1131,7 +1131,7 @@
       </p:grpSpPr>
       <p:sp>
         <p:nvSpPr>
-          <p:cNvPr id="152" name="Google Shape;152;gd251bb473_0_600:notes"/>
+          <p:cNvPr id="153" name="Google Shape;153;gd251bb473_0_600:notes"/>
           <p:cNvSpPr/>
           <p:nvPr>
             <p:ph idx="2" type="sldImg"/>
@@ -1166,7 +1166,7 @@
       </p:sp>
       <p:sp>
         <p:nvSpPr>
-          <p:cNvPr id="153" name="Google Shape;153;gd251bb473_0_600:notes"/>
+          <p:cNvPr id="154" name="Google Shape;154;gd251bb473_0_600:notes"/>
           <p:cNvSpPr txBox="1"/>
           <p:nvPr>
             <p:ph idx="1" type="body"/>
@@ -1216,7 +1216,7 @@
   <p:cSld>
     <p:spTree>
       <p:nvGrpSpPr>
-        <p:cNvPr id="159" name="Shape 159"/>
+        <p:cNvPr id="160" name="Shape 160"/>
         <p:cNvGrpSpPr/>
         <p:nvPr/>
       </p:nvGrpSpPr>
@@ -1230,7 +1230,7 @@
       </p:grpSpPr>
       <p:sp>
         <p:nvSpPr>
-          <p:cNvPr id="160" name="Google Shape;160;g1a44ebf324e_0_31:notes"/>
+          <p:cNvPr id="161" name="Google Shape;161;g1a44ebf324e_0_31:notes"/>
           <p:cNvSpPr/>
           <p:nvPr>
             <p:ph idx="2" type="sldImg"/>
@@ -1265,7 +1265,7 @@
       </p:sp>
       <p:sp>
         <p:nvSpPr>
-          <p:cNvPr id="161" name="Google Shape;161;g1a44ebf324e_0_31:notes"/>
+          <p:cNvPr id="162" name="Google Shape;162;g1a44ebf324e_0_31:notes"/>
           <p:cNvSpPr txBox="1"/>
           <p:nvPr>
             <p:ph idx="1" type="body"/>
@@ -1315,7 +1315,7 @@
   <p:cSld>
     <p:spTree>
       <p:nvGrpSpPr>
-        <p:cNvPr id="167" name="Shape 167"/>
+        <p:cNvPr id="168" name="Shape 168"/>
         <p:cNvGrpSpPr/>
         <p:nvPr/>
       </p:nvGrpSpPr>
@@ -1329,7 +1329,7 @@
       </p:grpSpPr>
       <p:sp>
         <p:nvSpPr>
-          <p:cNvPr id="168" name="Google Shape;168;g1a44ebf324e_0_40:notes"/>
+          <p:cNvPr id="169" name="Google Shape;169;g1a44ebf324e_0_40:notes"/>
           <p:cNvSpPr/>
           <p:nvPr>
             <p:ph idx="2" type="sldImg"/>
@@ -1364,7 +1364,7 @@
       </p:sp>
       <p:sp>
         <p:nvSpPr>
-          <p:cNvPr id="169" name="Google Shape;169;g1a44ebf324e_0_40:notes"/>
+          <p:cNvPr id="170" name="Google Shape;170;g1a44ebf324e_0_40:notes"/>
           <p:cNvSpPr txBox="1"/>
           <p:nvPr>
             <p:ph idx="1" type="body"/>
@@ -1414,7 +1414,7 @@
   <p:cSld>
     <p:spTree>
       <p:nvGrpSpPr>
-        <p:cNvPr id="74" name="Shape 74"/>
+        <p:cNvPr id="75" name="Shape 75"/>
         <p:cNvGrpSpPr/>
         <p:nvPr/>
       </p:nvGrpSpPr>
@@ -1428,7 +1428,7 @@
       </p:grpSpPr>
       <p:sp>
         <p:nvSpPr>
-          <p:cNvPr id="75" name="Google Shape;75;gd5b15f0a3_5_26:notes"/>
+          <p:cNvPr id="76" name="Google Shape;76;gd5b15f0a3_5_26:notes"/>
           <p:cNvSpPr/>
           <p:nvPr>
             <p:ph idx="2" type="sldImg"/>
@@ -1463,7 +1463,7 @@
       </p:sp>
       <p:sp>
         <p:nvSpPr>
-          <p:cNvPr id="76" name="Google Shape;76;gd5b15f0a3_5_26:notes"/>
+          <p:cNvPr id="77" name="Google Shape;77;gd5b15f0a3_5_26:notes"/>
           <p:cNvSpPr txBox="1"/>
           <p:nvPr>
             <p:ph idx="1" type="body"/>
@@ -1513,7 +1513,7 @@
   <p:cSld>
     <p:spTree>
       <p:nvGrpSpPr>
-        <p:cNvPr id="82" name="Shape 82"/>
+        <p:cNvPr id="83" name="Shape 83"/>
         <p:cNvGrpSpPr/>
         <p:nvPr/>
       </p:nvGrpSpPr>
@@ -1527,7 +1527,7 @@
       </p:grpSpPr>
       <p:sp>
         <p:nvSpPr>
-          <p:cNvPr id="83" name="Google Shape;83;g1a44ebf324e_14_233:notes"/>
+          <p:cNvPr id="84" name="Google Shape;84;g1a44ebf324e_14_233:notes"/>
           <p:cNvSpPr/>
           <p:nvPr>
             <p:ph idx="2" type="sldImg"/>
@@ -1562,7 +1562,7 @@
       </p:sp>
       <p:sp>
         <p:nvSpPr>
-          <p:cNvPr id="84" name="Google Shape;84;g1a44ebf324e_14_233:notes"/>
+          <p:cNvPr id="85" name="Google Shape;85;g1a44ebf324e_14_233:notes"/>
           <p:cNvSpPr txBox="1"/>
           <p:nvPr>
             <p:ph idx="1" type="body"/>
@@ -1612,7 +1612,7 @@
   <p:cSld>
     <p:spTree>
       <p:nvGrpSpPr>
-        <p:cNvPr id="88" name="Shape 88"/>
+        <p:cNvPr id="89" name="Shape 89"/>
         <p:cNvGrpSpPr/>
         <p:nvPr/>
       </p:nvGrpSpPr>
@@ -1626,7 +1626,7 @@
       </p:grpSpPr>
       <p:sp>
         <p:nvSpPr>
-          <p:cNvPr id="89" name="Google Shape;89;g1a44ebf324e_14_0:notes"/>
+          <p:cNvPr id="90" name="Google Shape;90;g1a44ebf324e_14_0:notes"/>
           <p:cNvSpPr/>
           <p:nvPr>
             <p:ph idx="2" type="sldImg"/>
@@ -1661,7 +1661,7 @@
       </p:sp>
       <p:sp>
         <p:nvSpPr>
-          <p:cNvPr id="90" name="Google Shape;90;g1a44ebf324e_14_0:notes"/>
+          <p:cNvPr id="91" name="Google Shape;91;g1a44ebf324e_14_0:notes"/>
           <p:cNvSpPr txBox="1"/>
           <p:nvPr>
             <p:ph idx="1" type="body"/>
@@ -1711,7 +1711,7 @@
   <p:cSld>
     <p:spTree>
       <p:nvGrpSpPr>
-        <p:cNvPr id="93" name="Shape 93"/>
+        <p:cNvPr id="94" name="Shape 94"/>
         <p:cNvGrpSpPr/>
         <p:nvPr/>
       </p:nvGrpSpPr>
@@ -1725,7 +1725,7 @@
       </p:grpSpPr>
       <p:sp>
         <p:nvSpPr>
-          <p:cNvPr id="94" name="Google Shape;94;g1a44ebf324e_0_6:notes"/>
+          <p:cNvPr id="95" name="Google Shape;95;g1a44ebf324e_0_6:notes"/>
           <p:cNvSpPr/>
           <p:nvPr>
             <p:ph idx="2" type="sldImg"/>
@@ -1760,7 +1760,7 @@
       </p:sp>
       <p:sp>
         <p:nvSpPr>
-          <p:cNvPr id="95" name="Google Shape;95;g1a44ebf324e_0_6:notes"/>
+          <p:cNvPr id="96" name="Google Shape;96;g1a44ebf324e_0_6:notes"/>
           <p:cNvSpPr txBox="1"/>
           <p:nvPr>
             <p:ph idx="1" type="body"/>
@@ -1810,7 +1810,7 @@
   <p:cSld>
     <p:spTree>
       <p:nvGrpSpPr>
-        <p:cNvPr id="100" name="Shape 100"/>
+        <p:cNvPr id="101" name="Shape 101"/>
         <p:cNvGrpSpPr/>
         <p:nvPr/>
       </p:nvGrpSpPr>
@@ -1824,7 +1824,7 @@
       </p:grpSpPr>
       <p:sp>
         <p:nvSpPr>
-          <p:cNvPr id="101" name="Google Shape;101;g1a44ebf324e_0_0:notes"/>
+          <p:cNvPr id="102" name="Google Shape;102;g1a44ebf324e_0_0:notes"/>
           <p:cNvSpPr/>
           <p:nvPr>
             <p:ph idx="2" type="sldImg"/>
@@ -1859,7 +1859,7 @@
       </p:sp>
       <p:sp>
         <p:nvSpPr>
-          <p:cNvPr id="102" name="Google Shape;102;g1a44ebf324e_0_0:notes"/>
+          <p:cNvPr id="103" name="Google Shape;103;g1a44ebf324e_0_0:notes"/>
           <p:cNvSpPr txBox="1"/>
           <p:nvPr>
             <p:ph idx="1" type="body"/>
@@ -1909,7 +1909,7 @@
   <p:cSld>
     <p:spTree>
       <p:nvGrpSpPr>
-        <p:cNvPr id="107" name="Shape 107"/>
+        <p:cNvPr id="108" name="Shape 108"/>
         <p:cNvGrpSpPr/>
         <p:nvPr/>
       </p:nvGrpSpPr>
@@ -1923,7 +1923,7 @@
       </p:grpSpPr>
       <p:sp>
         <p:nvSpPr>
-          <p:cNvPr id="108" name="Google Shape;108;g1a44ebf324e_0_18:notes"/>
+          <p:cNvPr id="109" name="Google Shape;109;g1a44ebf324e_0_18:notes"/>
           <p:cNvSpPr/>
           <p:nvPr>
             <p:ph idx="2" type="sldImg"/>
@@ -1958,7 +1958,7 @@
       </p:sp>
       <p:sp>
         <p:nvSpPr>
-          <p:cNvPr id="109" name="Google Shape;109;g1a44ebf324e_0_18:notes"/>
+          <p:cNvPr id="110" name="Google Shape;110;g1a44ebf324e_0_18:notes"/>
           <p:cNvSpPr txBox="1"/>
           <p:nvPr>
             <p:ph idx="1" type="body"/>
@@ -2008,7 +2008,7 @@
   <p:cSld>
     <p:spTree>
       <p:nvGrpSpPr>
-        <p:cNvPr id="114" name="Shape 114"/>
+        <p:cNvPr id="115" name="Shape 115"/>
         <p:cNvGrpSpPr/>
         <p:nvPr/>
       </p:nvGrpSpPr>
@@ -2022,7 +2022,7 @@
       </p:grpSpPr>
       <p:sp>
         <p:nvSpPr>
-          <p:cNvPr id="115" name="Google Shape;115;g1a44ebf324e_14_227:notes"/>
+          <p:cNvPr id="116" name="Google Shape;116;g1a44ebf324e_14_201:notes"/>
           <p:cNvSpPr/>
           <p:nvPr>
             <p:ph idx="2" type="sldImg"/>
@@ -2057,7 +2057,7 @@
       </p:sp>
       <p:sp>
         <p:nvSpPr>
-          <p:cNvPr id="116" name="Google Shape;116;g1a44ebf324e_14_227:notes"/>
+          <p:cNvPr id="117" name="Google Shape;117;g1a44ebf324e_14_201:notes"/>
           <p:cNvSpPr txBox="1"/>
           <p:nvPr>
             <p:ph idx="1" type="body"/>
@@ -2107,7 +2107,7 @@
   <p:cSld>
     <p:spTree>
       <p:nvGrpSpPr>
-        <p:cNvPr id="120" name="Shape 120"/>
+        <p:cNvPr id="123" name="Shape 123"/>
         <p:cNvGrpSpPr/>
         <p:nvPr/>
       </p:nvGrpSpPr>
@@ -2121,7 +2121,7 @@
       </p:grpSpPr>
       <p:sp>
         <p:nvSpPr>
-          <p:cNvPr id="121" name="Google Shape;121;g1a44ebf324e_14_201:notes"/>
+          <p:cNvPr id="124" name="Google Shape;124;g1a44ebf324e_17_17:notes"/>
           <p:cNvSpPr/>
           <p:nvPr>
             <p:ph idx="2" type="sldImg"/>
@@ -2156,7 +2156,7 @@
       </p:sp>
       <p:sp>
         <p:nvSpPr>
-          <p:cNvPr id="122" name="Google Shape;122;g1a44ebf324e_14_201:notes"/>
+          <p:cNvPr id="125" name="Google Shape;125;g1a44ebf324e_17_17:notes"/>
           <p:cNvSpPr txBox="1"/>
           <p:nvPr>
             <p:ph idx="1" type="body"/>
@@ -8192,6 +8192,34 @@
           </a:p>
         </p:txBody>
       </p:sp>
+      <p:pic>
+        <p:nvPicPr>
+          <p:cNvPr id="74" name="Google Shape;74;p13"/>
+          <p:cNvPicPr preferRelativeResize="0"/>
+          <p:nvPr/>
+        </p:nvPicPr>
+        <p:blipFill>
+          <a:blip r:embed="rId3">
+            <a:alphaModFix/>
+          </a:blip>
+          <a:stretch>
+            <a:fillRect/>
+          </a:stretch>
+        </p:blipFill>
+        <p:spPr>
+          <a:xfrm>
+            <a:off x="2530975" y="989625"/>
+            <a:ext cx="2085467" cy="2085467"/>
+          </a:xfrm>
+          <a:prstGeom prst="rect">
+            <a:avLst/>
+          </a:prstGeom>
+          <a:noFill/>
+          <a:ln>
+            <a:noFill/>
+          </a:ln>
+        </p:spPr>
+      </p:pic>
     </p:spTree>
   </p:cSld>
   <p:clrMapOvr>
@@ -8205,530 +8233,7 @@
   <p:cSld>
     <p:spTree>
       <p:nvGrpSpPr>
-        <p:cNvPr id="131" name="Shape 131"/>
-        <p:cNvGrpSpPr/>
-        <p:nvPr/>
-      </p:nvGrpSpPr>
-      <p:grpSpPr>
-        <a:xfrm>
-          <a:off x="0" y="0"/>
-          <a:ext cx="0" cy="0"/>
-          <a:chOff x="0" y="0"/>
-          <a:chExt cx="0" cy="0"/>
-        </a:xfrm>
-      </p:grpSpPr>
-      <p:pic>
-        <p:nvPicPr>
-          <p:cNvPr id="132" name="Google Shape;132;p22"/>
-          <p:cNvPicPr preferRelativeResize="0"/>
-          <p:nvPr/>
-        </p:nvPicPr>
-        <p:blipFill>
-          <a:blip r:embed="rId3">
-            <a:alphaModFix/>
-          </a:blip>
-          <a:stretch>
-            <a:fillRect/>
-          </a:stretch>
-        </p:blipFill>
-        <p:spPr>
-          <a:xfrm>
-            <a:off x="173300" y="1754700"/>
-            <a:ext cx="1097625" cy="2399287"/>
-          </a:xfrm>
-          <a:prstGeom prst="rect">
-            <a:avLst/>
-          </a:prstGeom>
-          <a:noFill/>
-          <a:ln>
-            <a:noFill/>
-          </a:ln>
-        </p:spPr>
-      </p:pic>
-      <p:pic>
-        <p:nvPicPr>
-          <p:cNvPr id="133" name="Google Shape;133;p22"/>
-          <p:cNvPicPr preferRelativeResize="0"/>
-          <p:nvPr/>
-        </p:nvPicPr>
-        <p:blipFill>
-          <a:blip r:embed="rId4">
-            <a:alphaModFix/>
-          </a:blip>
-          <a:stretch>
-            <a:fillRect/>
-          </a:stretch>
-        </p:blipFill>
-        <p:spPr>
-          <a:xfrm>
-            <a:off x="1400875" y="1754700"/>
-            <a:ext cx="1097625" cy="2399276"/>
-          </a:xfrm>
-          <a:prstGeom prst="rect">
-            <a:avLst/>
-          </a:prstGeom>
-          <a:noFill/>
-          <a:ln>
-            <a:noFill/>
-          </a:ln>
-        </p:spPr>
-      </p:pic>
-      <p:pic>
-        <p:nvPicPr>
-          <p:cNvPr id="134" name="Google Shape;134;p22"/>
-          <p:cNvPicPr preferRelativeResize="0"/>
-          <p:nvPr/>
-        </p:nvPicPr>
-        <p:blipFill>
-          <a:blip r:embed="rId5">
-            <a:alphaModFix/>
-          </a:blip>
-          <a:stretch>
-            <a:fillRect/>
-          </a:stretch>
-        </p:blipFill>
-        <p:spPr>
-          <a:xfrm>
-            <a:off x="2628438" y="1754700"/>
-            <a:ext cx="1097650" cy="2399276"/>
-          </a:xfrm>
-          <a:prstGeom prst="rect">
-            <a:avLst/>
-          </a:prstGeom>
-          <a:noFill/>
-          <a:ln>
-            <a:noFill/>
-          </a:ln>
-        </p:spPr>
-      </p:pic>
-      <p:sp>
-        <p:nvSpPr>
-          <p:cNvPr id="135" name="Google Shape;135;p22"/>
-          <p:cNvSpPr txBox="1"/>
-          <p:nvPr/>
-        </p:nvSpPr>
-        <p:spPr>
-          <a:xfrm>
-            <a:off x="5408525" y="238350"/>
-            <a:ext cx="1097700" cy="400200"/>
-          </a:xfrm>
-          <a:prstGeom prst="rect">
-            <a:avLst/>
-          </a:prstGeom>
-          <a:noFill/>
-          <a:ln>
-            <a:noFill/>
-          </a:ln>
-        </p:spPr>
-        <p:txBody>
-          <a:bodyPr anchorCtr="0" anchor="t" bIns="91425" lIns="91425" spcFirstLastPara="1" rIns="91425" wrap="square" tIns="91425">
-            <a:spAutoFit/>
-          </a:bodyPr>
-          <a:lstStyle/>
-          <a:p>
-            <a:pPr indent="0" lvl="0" marL="0" rtl="0" algn="l">
-              <a:spcBef>
-                <a:spcPts val="0"/>
-              </a:spcBef>
-              <a:spcAft>
-                <a:spcPts val="0"/>
-              </a:spcAft>
-              <a:buNone/>
-            </a:pPr>
-            <a:r>
-              <a:t/>
-            </a:r>
-            <a:endParaRPr>
-              <a:latin typeface="Lato"/>
-              <a:ea typeface="Lato"/>
-              <a:cs typeface="Lato"/>
-              <a:sym typeface="Lato"/>
-            </a:endParaRPr>
-          </a:p>
-        </p:txBody>
-      </p:sp>
-      <p:graphicFrame>
-        <p:nvGraphicFramePr>
-          <p:cNvPr id="136" name="Google Shape;136;p22"/>
-          <p:cNvGraphicFramePr/>
-          <p:nvPr/>
-        </p:nvGraphicFramePr>
-        <p:xfrm>
-          <a:off x="3936975" y="1512813"/>
-          <a:ext cx="3000000" cy="3000000"/>
-        </p:xfrm>
-        <a:graphic>
-          <a:graphicData uri="http://schemas.openxmlformats.org/drawingml/2006/table">
-            <a:tbl>
-              <a:tblPr>
-                <a:noFill/>
-                <a:tableStyleId>{01CBEE4E-1B6F-42B5-B0BB-6B8E5D403E6F}</a:tableStyleId>
-              </a:tblPr>
-              <a:tblGrid>
-                <a:gridCol w="2456250"/>
-                <a:gridCol w="2456250"/>
-              </a:tblGrid>
-              <a:tr h="466225">
-                <a:tc>
-                  <a:txBody>
-                    <a:bodyPr/>
-                    <a:lstStyle/>
-                    <a:p>
-                      <a:pPr indent="0" lvl="0" marL="0" rtl="0" algn="ctr">
-                        <a:spcBef>
-                          <a:spcPts val="0"/>
-                        </a:spcBef>
-                        <a:spcAft>
-                          <a:spcPts val="0"/>
-                        </a:spcAft>
-                        <a:buNone/>
-                      </a:pPr>
-                      <a:r>
-                        <a:rPr b="1" lang="en" sz="1000"/>
-                        <a:t>PRÓS</a:t>
-                      </a:r>
-                      <a:endParaRPr b="1" sz="1000"/>
-                    </a:p>
-                  </a:txBody>
-                  <a:tcPr marT="91425" marB="91425" marR="91425" marL="91425"/>
-                </a:tc>
-                <a:tc>
-                  <a:txBody>
-                    <a:bodyPr/>
-                    <a:lstStyle/>
-                    <a:p>
-                      <a:pPr indent="0" lvl="0" marL="0" rtl="0" algn="ctr">
-                        <a:spcBef>
-                          <a:spcPts val="0"/>
-                        </a:spcBef>
-                        <a:spcAft>
-                          <a:spcPts val="0"/>
-                        </a:spcAft>
-                        <a:buNone/>
-                      </a:pPr>
-                      <a:r>
-                        <a:rPr b="1" lang="en" sz="1000"/>
-                        <a:t>CONTRAS</a:t>
-                      </a:r>
-                      <a:endParaRPr b="1" sz="1000"/>
-                    </a:p>
-                  </a:txBody>
-                  <a:tcPr marT="91425" marB="91425" marR="91425" marL="91425"/>
-                </a:tc>
-              </a:tr>
-              <a:tr h="466225">
-                <a:tc>
-                  <a:txBody>
-                    <a:bodyPr/>
-                    <a:lstStyle/>
-                    <a:p>
-                      <a:pPr indent="0" lvl="0" marL="0" rtl="0" algn="l">
-                        <a:spcBef>
-                          <a:spcPts val="0"/>
-                        </a:spcBef>
-                        <a:spcAft>
-                          <a:spcPts val="0"/>
-                        </a:spcAft>
-                        <a:buNone/>
-                      </a:pPr>
-                      <a:r>
-                        <a:rPr lang="en" sz="1000"/>
-                        <a:t>Personalizar alertas de descontos </a:t>
-                      </a:r>
-                      <a:endParaRPr sz="1000"/>
-                    </a:p>
-                  </a:txBody>
-                  <a:tcPr marT="91425" marB="91425" marR="91425" marL="91425"/>
-                </a:tc>
-                <a:tc>
-                  <a:txBody>
-                    <a:bodyPr/>
-                    <a:lstStyle/>
-                    <a:p>
-                      <a:pPr indent="0" lvl="0" marL="0" rtl="0" algn="l">
-                        <a:spcBef>
-                          <a:spcPts val="0"/>
-                        </a:spcBef>
-                        <a:spcAft>
-                          <a:spcPts val="0"/>
-                        </a:spcAft>
-                        <a:buNone/>
-                      </a:pPr>
-                      <a:r>
-                        <a:rPr lang="en" sz="1000"/>
-                        <a:t>Nenhuma recompensa ao se cadastrar no app</a:t>
-                      </a:r>
-                      <a:endParaRPr sz="1000"/>
-                    </a:p>
-                  </a:txBody>
-                  <a:tcPr marT="91425" marB="91425" marR="91425" marL="91425"/>
-                </a:tc>
-              </a:tr>
-              <a:tr h="466225">
-                <a:tc>
-                  <a:txBody>
-                    <a:bodyPr/>
-                    <a:lstStyle/>
-                    <a:p>
-                      <a:pPr indent="0" lvl="0" marL="0" rtl="0" algn="l">
-                        <a:spcBef>
-                          <a:spcPts val="0"/>
-                        </a:spcBef>
-                        <a:spcAft>
-                          <a:spcPts val="0"/>
-                        </a:spcAft>
-                        <a:buNone/>
-                      </a:pPr>
-                      <a:r>
-                        <a:rPr lang="en" sz="1000"/>
-                        <a:t>Feedbacks dos usuários </a:t>
-                      </a:r>
-                      <a:endParaRPr sz="1000"/>
-                    </a:p>
-                  </a:txBody>
-                  <a:tcPr marT="91425" marB="91425" marR="91425" marL="91425"/>
-                </a:tc>
-                <a:tc>
-                  <a:txBody>
-                    <a:bodyPr/>
-                    <a:lstStyle/>
-                    <a:p>
-                      <a:pPr indent="0" lvl="0" marL="0" rtl="0" algn="l">
-                        <a:spcBef>
-                          <a:spcPts val="0"/>
-                        </a:spcBef>
-                        <a:spcAft>
-                          <a:spcPts val="0"/>
-                        </a:spcAft>
-                        <a:buNone/>
-                      </a:pPr>
-                      <a:r>
-                        <a:rPr lang="en" sz="1000"/>
-                        <a:t>Possibilidade de promoções/cupons expirados </a:t>
-                      </a:r>
-                      <a:endParaRPr sz="1000"/>
-                    </a:p>
-                  </a:txBody>
-                  <a:tcPr marT="91425" marB="91425" marR="91425" marL="91425"/>
-                </a:tc>
-              </a:tr>
-              <a:tr h="466225">
-                <a:tc>
-                  <a:txBody>
-                    <a:bodyPr/>
-                    <a:lstStyle/>
-                    <a:p>
-                      <a:pPr indent="0" lvl="0" marL="0" rtl="0" algn="l">
-                        <a:spcBef>
-                          <a:spcPts val="0"/>
-                        </a:spcBef>
-                        <a:spcAft>
-                          <a:spcPts val="0"/>
-                        </a:spcAft>
-                        <a:buNone/>
-                      </a:pPr>
-                      <a:r>
-                        <a:rPr lang="en" sz="1000"/>
-                        <a:t>Todas as lojas disponíveis com descontos</a:t>
-                      </a:r>
-                      <a:endParaRPr sz="1000"/>
-                    </a:p>
-                  </a:txBody>
-                  <a:tcPr marT="91425" marB="91425" marR="91425" marL="91425"/>
-                </a:tc>
-                <a:tc>
-                  <a:txBody>
-                    <a:bodyPr/>
-                    <a:lstStyle/>
-                    <a:p>
-                      <a:pPr indent="0" lvl="0" marL="0" rtl="0" algn="l">
-                        <a:spcBef>
-                          <a:spcPts val="0"/>
-                        </a:spcBef>
-                        <a:spcAft>
-                          <a:spcPts val="0"/>
-                        </a:spcAft>
-                        <a:buNone/>
-                      </a:pPr>
-                      <a:r>
-                        <a:t/>
-                      </a:r>
-                      <a:endParaRPr/>
-                    </a:p>
-                  </a:txBody>
-                  <a:tcPr marT="91425" marB="91425" marR="91425" marL="91425"/>
-                </a:tc>
-              </a:tr>
-              <a:tr h="466225">
-                <a:tc>
-                  <a:txBody>
-                    <a:bodyPr/>
-                    <a:lstStyle/>
-                    <a:p>
-                      <a:pPr indent="0" lvl="0" marL="0" rtl="0" algn="l">
-                        <a:spcBef>
-                          <a:spcPts val="0"/>
-                        </a:spcBef>
-                        <a:spcAft>
-                          <a:spcPts val="0"/>
-                        </a:spcAft>
-                        <a:buNone/>
-                      </a:pPr>
-                      <a:r>
-                        <a:rPr lang="en" sz="1000"/>
-                        <a:t>Avaliar cupons</a:t>
-                      </a:r>
-                      <a:endParaRPr sz="1000"/>
-                    </a:p>
-                  </a:txBody>
-                  <a:tcPr marT="91425" marB="91425" marR="91425" marL="91425"/>
-                </a:tc>
-                <a:tc>
-                  <a:txBody>
-                    <a:bodyPr/>
-                    <a:lstStyle/>
-                    <a:p>
-                      <a:pPr indent="0" lvl="0" marL="0" rtl="0" algn="l">
-                        <a:spcBef>
-                          <a:spcPts val="0"/>
-                        </a:spcBef>
-                        <a:spcAft>
-                          <a:spcPts val="0"/>
-                        </a:spcAft>
-                        <a:buNone/>
-                      </a:pPr>
-                      <a:r>
-                        <a:t/>
-                      </a:r>
-                      <a:endParaRPr/>
-                    </a:p>
-                  </a:txBody>
-                  <a:tcPr marT="91425" marB="91425" marR="91425" marL="91425"/>
-                </a:tc>
-              </a:tr>
-              <a:tr h="466225">
-                <a:tc>
-                  <a:txBody>
-                    <a:bodyPr/>
-                    <a:lstStyle/>
-                    <a:p>
-                      <a:pPr indent="0" lvl="0" marL="0" rtl="0" algn="l">
-                        <a:spcBef>
-                          <a:spcPts val="0"/>
-                        </a:spcBef>
-                        <a:spcAft>
-                          <a:spcPts val="0"/>
-                        </a:spcAft>
-                        <a:buNone/>
-                      </a:pPr>
-                      <a:r>
-                        <a:rPr lang="en" sz="1000"/>
-                        <a:t>Ranking de melhores cupons e promoções</a:t>
-                      </a:r>
-                      <a:endParaRPr sz="1000"/>
-                    </a:p>
-                  </a:txBody>
-                  <a:tcPr marT="91425" marB="91425" marR="91425" marL="91425"/>
-                </a:tc>
-                <a:tc>
-                  <a:txBody>
-                    <a:bodyPr/>
-                    <a:lstStyle/>
-                    <a:p>
-                      <a:pPr indent="0" lvl="0" marL="0" rtl="0" algn="l">
-                        <a:spcBef>
-                          <a:spcPts val="0"/>
-                        </a:spcBef>
-                        <a:spcAft>
-                          <a:spcPts val="0"/>
-                        </a:spcAft>
-                        <a:buNone/>
-                      </a:pPr>
-                      <a:r>
-                        <a:t/>
-                      </a:r>
-                      <a:endParaRPr/>
-                    </a:p>
-                  </a:txBody>
-                  <a:tcPr marT="91425" marB="91425" marR="91425" marL="91425"/>
-                </a:tc>
-              </a:tr>
-            </a:tbl>
-          </a:graphicData>
-        </a:graphic>
-      </p:graphicFrame>
-      <p:sp>
-        <p:nvSpPr>
-          <p:cNvPr id="137" name="Google Shape;137;p22"/>
-          <p:cNvSpPr txBox="1"/>
-          <p:nvPr/>
-        </p:nvSpPr>
-        <p:spPr>
-          <a:xfrm>
-            <a:off x="258225" y="666475"/>
-            <a:ext cx="8214300" cy="708000"/>
-          </a:xfrm>
-          <a:prstGeom prst="rect">
-            <a:avLst/>
-          </a:prstGeom>
-          <a:noFill/>
-          <a:ln>
-            <a:noFill/>
-          </a:ln>
-        </p:spPr>
-        <p:txBody>
-          <a:bodyPr anchorCtr="0" anchor="t" bIns="91425" lIns="91425" spcFirstLastPara="1" rIns="91425" wrap="square" tIns="91425">
-            <a:spAutoFit/>
-          </a:bodyPr>
-          <a:lstStyle/>
-          <a:p>
-            <a:pPr indent="0" lvl="0" marL="0" rtl="0" algn="ctr">
-              <a:spcBef>
-                <a:spcPts val="0"/>
-              </a:spcBef>
-              <a:spcAft>
-                <a:spcPts val="1600"/>
-              </a:spcAft>
-              <a:buNone/>
-            </a:pPr>
-            <a:r>
-              <a:rPr b="1" lang="en" sz="3400">
-                <a:solidFill>
-                  <a:schemeClr val="dk1"/>
-                </a:solidFill>
-                <a:latin typeface="Lato"/>
-                <a:ea typeface="Lato"/>
-                <a:cs typeface="Lato"/>
-                <a:sym typeface="Lato"/>
-              </a:rPr>
-              <a:t>Análise de Competitividade - Pelando	</a:t>
-            </a:r>
-            <a:endParaRPr b="1" sz="3400">
-              <a:solidFill>
-                <a:schemeClr val="dk1"/>
-              </a:solidFill>
-              <a:latin typeface="Lato"/>
-              <a:ea typeface="Lato"/>
-              <a:cs typeface="Lato"/>
-              <a:sym typeface="Lato"/>
-            </a:endParaRPr>
-          </a:p>
-        </p:txBody>
-      </p:sp>
-    </p:spTree>
-  </p:cSld>
-  <p:clrMapOvr>
-    <a:masterClrMapping/>
-  </p:clrMapOvr>
-</p:sld>
-</file>
-
-<file path=ppt/slides/slide11.xml><?xml version="1.0" encoding="utf-8"?>
-<p:sld xmlns:a="http://schemas.openxmlformats.org/drawingml/2006/main" xmlns:r="http://schemas.openxmlformats.org/officeDocument/2006/relationships" xmlns:mc="http://schemas.openxmlformats.org/markup-compatibility/2006" xmlns:mv="urn:schemas-microsoft-com:mac:vml" xmlns:p="http://schemas.openxmlformats.org/presentationml/2006/main" xmlns:c="http://schemas.openxmlformats.org/drawingml/2006/chart" xmlns:dgm="http://schemas.openxmlformats.org/drawingml/2006/diagram" xmlns:o="urn:schemas-microsoft-com:office:office" xmlns:v="urn:schemas-microsoft-com:vml" xmlns:pvml="urn:schemas-microsoft-com:office:powerpoint" xmlns:com="http://schemas.openxmlformats.org/drawingml/2006/compatibility" xmlns:p14="http://schemas.microsoft.com/office/powerpoint/2010/main" xmlns:p15="http://schemas.microsoft.com/office/powerpoint/2012/main" xmlns:ahyp="http://schemas.microsoft.com/office/drawing/2018/hyperlinkcolor">
-  <p:cSld>
-    <p:spTree>
-      <p:nvGrpSpPr>
-        <p:cNvPr id="141" name="Shape 141"/>
+        <p:cNvPr id="136" name="Shape 136"/>
         <p:cNvGrpSpPr/>
         <p:nvPr/>
       </p:nvGrpSpPr>
@@ -8742,7 +8247,7 @@
       </p:grpSpPr>
       <p:graphicFrame>
         <p:nvGraphicFramePr>
-          <p:cNvPr id="142" name="Google Shape;142;p23"/>
+          <p:cNvPr id="137" name="Google Shape;137;p22"/>
           <p:cNvGraphicFramePr/>
           <p:nvPr/>
         </p:nvGraphicFramePr>
@@ -8755,7 +8260,7 @@
             <a:tbl>
               <a:tblPr>
                 <a:noFill/>
-                <a:tableStyleId>{01CBEE4E-1B6F-42B5-B0BB-6B8E5D403E6F}</a:tableStyleId>
+                <a:tableStyleId>{6C65D8E8-7129-49ED-8108-80A242429330}</a:tableStyleId>
               </a:tblPr>
               <a:tblGrid>
                 <a:gridCol w="382850"/>
@@ -9540,7 +9045,7 @@
       </p:graphicFrame>
       <p:sp>
         <p:nvSpPr>
-          <p:cNvPr id="143" name="Google Shape;143;p23"/>
+          <p:cNvPr id="138" name="Google Shape;138;p22"/>
           <p:cNvSpPr/>
           <p:nvPr/>
         </p:nvSpPr>
@@ -9595,7 +9100,7 @@
       </p:sp>
       <p:graphicFrame>
         <p:nvGraphicFramePr>
-          <p:cNvPr id="144" name="Google Shape;144;p23"/>
+          <p:cNvPr id="139" name="Google Shape;139;p22"/>
           <p:cNvGraphicFramePr/>
           <p:nvPr/>
         </p:nvGraphicFramePr>
@@ -9608,7 +9113,7 @@
             <a:tbl>
               <a:tblPr>
                 <a:noFill/>
-                <a:tableStyleId>{01CBEE4E-1B6F-42B5-B0BB-6B8E5D403E6F}</a:tableStyleId>
+                <a:tableStyleId>{6C65D8E8-7129-49ED-8108-80A242429330}</a:tableStyleId>
               </a:tblPr>
               <a:tblGrid>
                 <a:gridCol w="3081075"/>
@@ -10135,7 +9640,7 @@
                                           </p:stCondLst>
                                         </p:cTn>
                                         <p:tgtEl>
-                                          <p:spTgt spid="144"/>
+                                          <p:spTgt spid="139"/>
                                         </p:tgtEl>
                                         <p:attrNameLst>
                                           <p:attrName>style.visibility</p:attrName>
@@ -10149,7 +9654,7 @@
                                       <p:cBhvr>
                                         <p:cTn dur="1000"/>
                                         <p:tgtEl>
-                                          <p:spTgt spid="144"/>
+                                          <p:spTgt spid="139"/>
                                         </p:tgtEl>
                                       </p:cBhvr>
                                     </p:animEffect>
@@ -10188,7 +9693,7 @@
                                           </p:stCondLst>
                                         </p:cTn>
                                         <p:tgtEl>
-                                          <p:spTgt spid="144"/>
+                                          <p:spTgt spid="139"/>
                                         </p:tgtEl>
                                         <p:attrNameLst>
                                           <p:attrName>style.visibility</p:attrName>
@@ -10202,7 +9707,7 @@
                                       <p:cBhvr>
                                         <p:cTn dur="1000"/>
                                         <p:tgtEl>
-                                          <p:spTgt spid="144"/>
+                                          <p:spTgt spid="139"/>
                                         </p:tgtEl>
                                       </p:cBhvr>
                                     </p:animEffect>
@@ -10240,7 +9745,7 @@
 </p:sld>
 </file>
 
-<file path=ppt/slides/slide12.xml><?xml version="1.0" encoding="utf-8"?>
+<file path=ppt/slides/slide11.xml><?xml version="1.0" encoding="utf-8"?>
 <p:sld xmlns:a="http://schemas.openxmlformats.org/drawingml/2006/main" xmlns:r="http://schemas.openxmlformats.org/officeDocument/2006/relationships" xmlns:mc="http://schemas.openxmlformats.org/markup-compatibility/2006" xmlns:mv="urn:schemas-microsoft-com:mac:vml" xmlns:p="http://schemas.openxmlformats.org/presentationml/2006/main" xmlns:c="http://schemas.openxmlformats.org/drawingml/2006/chart" xmlns:dgm="http://schemas.openxmlformats.org/drawingml/2006/diagram" xmlns:o="urn:schemas-microsoft-com:office:office" xmlns:v="urn:schemas-microsoft-com:vml" xmlns:pvml="urn:schemas-microsoft-com:office:powerpoint" xmlns:com="http://schemas.openxmlformats.org/drawingml/2006/compatibility" xmlns:p14="http://schemas.microsoft.com/office/powerpoint/2010/main" xmlns:p15="http://schemas.microsoft.com/office/powerpoint/2012/main" xmlns:ahyp="http://schemas.microsoft.com/office/drawing/2018/hyperlinkcolor">
   <p:cSld>
     <p:bg>
@@ -10252,7 +9757,7 @@
     </p:bg>
     <p:spTree>
       <p:nvGrpSpPr>
-        <p:cNvPr id="148" name="Shape 148"/>
+        <p:cNvPr id="143" name="Shape 143"/>
         <p:cNvGrpSpPr/>
         <p:nvPr/>
       </p:nvGrpSpPr>
@@ -10266,7 +9771,7 @@
       </p:grpSpPr>
       <p:graphicFrame>
         <p:nvGraphicFramePr>
-          <p:cNvPr id="149" name="Google Shape;149;p24"/>
+          <p:cNvPr id="144" name="Google Shape;144;p23"/>
           <p:cNvGraphicFramePr/>
           <p:nvPr/>
         </p:nvGraphicFramePr>
@@ -10279,7 +9784,7 @@
             <a:tbl>
               <a:tblPr>
                 <a:noFill/>
-                <a:tableStyleId>{01CBEE4E-1B6F-42B5-B0BB-6B8E5D403E6F}</a:tableStyleId>
+                <a:tableStyleId>{6C65D8E8-7129-49ED-8108-80A242429330}</a:tableStyleId>
               </a:tblPr>
               <a:tblGrid>
                 <a:gridCol w="1145100"/>
@@ -10698,7 +10203,7 @@
       </p:graphicFrame>
       <p:sp>
         <p:nvSpPr>
-          <p:cNvPr id="150" name="Google Shape;150;p24"/>
+          <p:cNvPr id="145" name="Google Shape;145;p23"/>
           <p:cNvSpPr txBox="1"/>
           <p:nvPr/>
         </p:nvSpPr>
@@ -10762,19 +10267,12 @@
 </p:sld>
 </file>
 
-<file path=ppt/slides/slide13.xml><?xml version="1.0" encoding="utf-8"?>
+<file path=ppt/slides/slide12.xml><?xml version="1.0" encoding="utf-8"?>
 <p:sld xmlns:a="http://schemas.openxmlformats.org/drawingml/2006/main" xmlns:r="http://schemas.openxmlformats.org/officeDocument/2006/relationships" xmlns:mc="http://schemas.openxmlformats.org/markup-compatibility/2006" xmlns:mv="urn:schemas-microsoft-com:mac:vml" xmlns:p="http://schemas.openxmlformats.org/presentationml/2006/main" xmlns:c="http://schemas.openxmlformats.org/drawingml/2006/chart" xmlns:dgm="http://schemas.openxmlformats.org/drawingml/2006/diagram" xmlns:o="urn:schemas-microsoft-com:office:office" xmlns:v="urn:schemas-microsoft-com:vml" xmlns:pvml="urn:schemas-microsoft-com:office:powerpoint" xmlns:com="http://schemas.openxmlformats.org/drawingml/2006/compatibility" xmlns:p14="http://schemas.microsoft.com/office/powerpoint/2010/main" xmlns:p15="http://schemas.microsoft.com/office/powerpoint/2012/main" xmlns:ahyp="http://schemas.microsoft.com/office/drawing/2018/hyperlinkcolor">
   <p:cSld>
-    <p:bg>
-      <p:bgPr>
-        <a:solidFill>
-          <a:schemeClr val="dk2"/>
-        </a:solidFill>
-      </p:bgPr>
-    </p:bg>
     <p:spTree>
       <p:nvGrpSpPr>
-        <p:cNvPr id="154" name="Shape 154"/>
+        <p:cNvPr id="149" name="Shape 149"/>
         <p:cNvGrpSpPr/>
         <p:nvPr/>
       </p:nvGrpSpPr>
@@ -10788,7 +10286,162 @@
       </p:grpSpPr>
       <p:sp>
         <p:nvSpPr>
-          <p:cNvPr id="155" name="Google Shape;155;p25"/>
+          <p:cNvPr id="150" name="Google Shape;150;p24"/>
+          <p:cNvSpPr txBox="1"/>
+          <p:nvPr>
+            <p:ph type="title"/>
+          </p:nvPr>
+        </p:nvSpPr>
+        <p:spPr>
+          <a:xfrm>
+            <a:off x="853950" y="535175"/>
+            <a:ext cx="7436100" cy="1538400"/>
+          </a:xfrm>
+          <a:prstGeom prst="rect">
+            <a:avLst/>
+          </a:prstGeom>
+        </p:spPr>
+        <p:txBody>
+          <a:bodyPr anchorCtr="0" anchor="t" bIns="91425" lIns="91425" spcFirstLastPara="1" rIns="91425" wrap="square" tIns="91425">
+            <a:normAutofit/>
+          </a:bodyPr>
+          <a:lstStyle/>
+          <a:p>
+            <a:pPr indent="0" lvl="0" marL="0" rtl="0" algn="ctr">
+              <a:spcBef>
+                <a:spcPts val="0"/>
+              </a:spcBef>
+              <a:spcAft>
+                <a:spcPts val="1600"/>
+              </a:spcAft>
+              <a:buNone/>
+            </a:pPr>
+            <a:r>
+              <a:rPr lang="en" sz="3600"/>
+              <a:t>Proposta</a:t>
+            </a:r>
+            <a:endParaRPr sz="3600"/>
+          </a:p>
+        </p:txBody>
+      </p:sp>
+      <p:sp>
+        <p:nvSpPr>
+          <p:cNvPr id="151" name="Google Shape;151;p24"/>
+          <p:cNvSpPr txBox="1"/>
+          <p:nvPr>
+            <p:ph type="title"/>
+          </p:nvPr>
+        </p:nvSpPr>
+        <p:spPr>
+          <a:xfrm>
+            <a:off x="543750" y="1835375"/>
+            <a:ext cx="8056500" cy="3105600"/>
+          </a:xfrm>
+          <a:prstGeom prst="rect">
+            <a:avLst/>
+          </a:prstGeom>
+        </p:spPr>
+        <p:txBody>
+          <a:bodyPr anchorCtr="0" anchor="t" bIns="91425" lIns="91425" spcFirstLastPara="1" rIns="91425" wrap="square" tIns="91425">
+            <a:normAutofit/>
+          </a:bodyPr>
+          <a:lstStyle/>
+          <a:p>
+            <a:pPr indent="0" lvl="0" marL="0" rtl="0" algn="ctr">
+              <a:spcBef>
+                <a:spcPts val="0"/>
+              </a:spcBef>
+              <a:spcAft>
+                <a:spcPts val="0"/>
+              </a:spcAft>
+              <a:buClr>
+                <a:schemeClr val="dk2"/>
+              </a:buClr>
+              <a:buSzPts val="1100"/>
+              <a:buFont typeface="Arial"/>
+              <a:buNone/>
+            </a:pPr>
+            <a:r>
+              <a:rPr b="0" lang="en" sz="1800">
+                <a:solidFill>
+                  <a:schemeClr val="dk2"/>
+                </a:solidFill>
+                <a:latin typeface="Raleway"/>
+                <a:ea typeface="Raleway"/>
+                <a:cs typeface="Raleway"/>
+                <a:sym typeface="Raleway"/>
+              </a:rPr>
+              <a:t>Ser um app de cupons que ajuda pessoas a economizar dinheiro por intermédio de cupons e vouchers, em um só lugar.</a:t>
+            </a:r>
+            <a:endParaRPr b="0" sz="1800">
+              <a:solidFill>
+                <a:schemeClr val="dk2"/>
+              </a:solidFill>
+              <a:latin typeface="Raleway"/>
+              <a:ea typeface="Raleway"/>
+              <a:cs typeface="Raleway"/>
+              <a:sym typeface="Raleway"/>
+            </a:endParaRPr>
+          </a:p>
+          <a:p>
+            <a:pPr indent="0" lvl="0" marL="457200" rtl="0" algn="l">
+              <a:lnSpc>
+                <a:spcPct val="150000"/>
+              </a:lnSpc>
+              <a:spcBef>
+                <a:spcPts val="1000"/>
+              </a:spcBef>
+              <a:spcAft>
+                <a:spcPts val="1600"/>
+              </a:spcAft>
+              <a:buNone/>
+            </a:pPr>
+            <a:r>
+              <a:t/>
+            </a:r>
+            <a:endParaRPr b="0" sz="1800">
+              <a:solidFill>
+                <a:schemeClr val="dk2"/>
+              </a:solidFill>
+            </a:endParaRPr>
+          </a:p>
+        </p:txBody>
+      </p:sp>
+    </p:spTree>
+  </p:cSld>
+  <p:clrMapOvr>
+    <a:masterClrMapping/>
+  </p:clrMapOvr>
+</p:sld>
+</file>
+
+<file path=ppt/slides/slide13.xml><?xml version="1.0" encoding="utf-8"?>
+<p:sld xmlns:a="http://schemas.openxmlformats.org/drawingml/2006/main" xmlns:r="http://schemas.openxmlformats.org/officeDocument/2006/relationships" xmlns:mc="http://schemas.openxmlformats.org/markup-compatibility/2006" xmlns:mv="urn:schemas-microsoft-com:mac:vml" xmlns:p="http://schemas.openxmlformats.org/presentationml/2006/main" xmlns:c="http://schemas.openxmlformats.org/drawingml/2006/chart" xmlns:dgm="http://schemas.openxmlformats.org/drawingml/2006/diagram" xmlns:o="urn:schemas-microsoft-com:office:office" xmlns:v="urn:schemas-microsoft-com:vml" xmlns:pvml="urn:schemas-microsoft-com:office:powerpoint" xmlns:com="http://schemas.openxmlformats.org/drawingml/2006/compatibility" xmlns:p14="http://schemas.microsoft.com/office/powerpoint/2010/main" xmlns:p15="http://schemas.microsoft.com/office/powerpoint/2012/main" xmlns:ahyp="http://schemas.microsoft.com/office/drawing/2018/hyperlinkcolor">
+  <p:cSld>
+    <p:bg>
+      <p:bgPr>
+        <a:solidFill>
+          <a:schemeClr val="dk2"/>
+        </a:solidFill>
+      </p:bgPr>
+    </p:bg>
+    <p:spTree>
+      <p:nvGrpSpPr>
+        <p:cNvPr id="155" name="Shape 155"/>
+        <p:cNvGrpSpPr/>
+        <p:nvPr/>
+      </p:nvGrpSpPr>
+      <p:grpSpPr>
+        <a:xfrm>
+          <a:off x="0" y="0"/>
+          <a:ext cx="0" cy="0"/>
+          <a:chOff x="0" y="0"/>
+          <a:chExt cx="0" cy="0"/>
+        </a:xfrm>
+      </p:grpSpPr>
+      <p:sp>
+        <p:nvSpPr>
+          <p:cNvPr id="156" name="Google Shape;156;p25"/>
           <p:cNvSpPr txBox="1"/>
           <p:nvPr/>
         </p:nvSpPr>
@@ -11291,7 +10944,7 @@
       </p:sp>
       <p:sp>
         <p:nvSpPr>
-          <p:cNvPr id="156" name="Google Shape;156;p25"/>
+          <p:cNvPr id="157" name="Google Shape;157;p25"/>
           <p:cNvSpPr txBox="1"/>
           <p:nvPr/>
         </p:nvSpPr>
@@ -11719,7 +11372,7 @@
       </p:sp>
       <p:sp>
         <p:nvSpPr>
-          <p:cNvPr id="157" name="Google Shape;157;p25"/>
+          <p:cNvPr id="158" name="Google Shape;158;p25"/>
           <p:cNvSpPr txBox="1"/>
           <p:nvPr/>
         </p:nvSpPr>
@@ -11809,7 +11462,7 @@
       </p:sp>
       <p:sp>
         <p:nvSpPr>
-          <p:cNvPr id="158" name="Google Shape;158;p25"/>
+          <p:cNvPr id="159" name="Google Shape;159;p25"/>
           <p:cNvSpPr txBox="1"/>
           <p:nvPr/>
         </p:nvSpPr>
@@ -11992,7 +11645,7 @@
     </p:bg>
     <p:spTree>
       <p:nvGrpSpPr>
-        <p:cNvPr id="162" name="Shape 162"/>
+        <p:cNvPr id="163" name="Shape 163"/>
         <p:cNvGrpSpPr/>
         <p:nvPr/>
       </p:nvGrpSpPr>
@@ -12006,7 +11659,7 @@
       </p:grpSpPr>
       <p:sp>
         <p:nvSpPr>
-          <p:cNvPr id="163" name="Google Shape;163;p26"/>
+          <p:cNvPr id="164" name="Google Shape;164;p26"/>
           <p:cNvSpPr txBox="1"/>
           <p:nvPr/>
         </p:nvSpPr>
@@ -12389,7 +12042,7 @@
       </p:sp>
       <p:sp>
         <p:nvSpPr>
-          <p:cNvPr id="164" name="Google Shape;164;p26"/>
+          <p:cNvPr id="165" name="Google Shape;165;p26"/>
           <p:cNvSpPr txBox="1"/>
           <p:nvPr/>
         </p:nvSpPr>
@@ -12743,7 +12396,7 @@
       </p:sp>
       <p:sp>
         <p:nvSpPr>
-          <p:cNvPr id="165" name="Google Shape;165;p26"/>
+          <p:cNvPr id="166" name="Google Shape;166;p26"/>
           <p:cNvSpPr txBox="1"/>
           <p:nvPr/>
         </p:nvSpPr>
@@ -12833,7 +12486,7 @@
       </p:sp>
       <p:sp>
         <p:nvSpPr>
-          <p:cNvPr id="166" name="Google Shape;166;p26"/>
+          <p:cNvPr id="167" name="Google Shape;167;p26"/>
           <p:cNvSpPr txBox="1"/>
           <p:nvPr/>
         </p:nvSpPr>
@@ -13048,7 +12701,7 @@
     </p:bg>
     <p:spTree>
       <p:nvGrpSpPr>
-        <p:cNvPr id="170" name="Shape 170"/>
+        <p:cNvPr id="171" name="Shape 171"/>
         <p:cNvGrpSpPr/>
         <p:nvPr/>
       </p:nvGrpSpPr>
@@ -13062,7 +12715,7 @@
       </p:grpSpPr>
       <p:sp>
         <p:nvSpPr>
-          <p:cNvPr id="171" name="Google Shape;171;p27"/>
+          <p:cNvPr id="172" name="Google Shape;172;p27"/>
           <p:cNvSpPr txBox="1"/>
           <p:nvPr/>
         </p:nvSpPr>
@@ -13104,7 +12757,7 @@
                 <a:cs typeface="Raleway"/>
                 <a:sym typeface="Raleway"/>
               </a:rPr>
-              <a:t>Neymar</a:t>
+              <a:t>Cleyton</a:t>
             </a:r>
             <a:endParaRPr b="1">
               <a:solidFill>
@@ -13445,7 +13098,7 @@
       </p:sp>
       <p:sp>
         <p:nvSpPr>
-          <p:cNvPr id="172" name="Google Shape;172;p27"/>
+          <p:cNvPr id="173" name="Google Shape;173;p27"/>
           <p:cNvSpPr txBox="1"/>
           <p:nvPr/>
         </p:nvSpPr>
@@ -13799,7 +13452,7 @@
       </p:sp>
       <p:sp>
         <p:nvSpPr>
-          <p:cNvPr id="173" name="Google Shape;173;p27"/>
+          <p:cNvPr id="174" name="Google Shape;174;p27"/>
           <p:cNvSpPr txBox="1"/>
           <p:nvPr/>
         </p:nvSpPr>
@@ -13873,7 +13526,19 @@
                 <a:cs typeface="Lato"/>
                 <a:sym typeface="Lato"/>
               </a:rPr>
-              <a:t>Jorge comenta e avalia produtos que já conhece para ajudar outros usuários a decidir se deve ou não comprar. Encontra no app produtos em alta para produzir novos conteúdos. Também divulga links de suas redes sociais.</a:t>
+              <a:t>Cleyton</a:t>
+            </a:r>
+            <a:r>
+              <a:rPr lang="en">
+                <a:solidFill>
+                  <a:schemeClr val="lt1"/>
+                </a:solidFill>
+                <a:latin typeface="Lato"/>
+                <a:ea typeface="Lato"/>
+                <a:cs typeface="Lato"/>
+                <a:sym typeface="Lato"/>
+              </a:rPr>
+              <a:t> comenta e avalia produtos que já conhece para ajudar outros usuários a decidir se deve ou não comprar. Encontra no app produtos em alta para produzir novos conteúdos. Também divulga links de suas redes sociais.</a:t>
             </a:r>
             <a:endParaRPr>
               <a:solidFill>
@@ -13889,7 +13554,7 @@
       </p:sp>
       <p:sp>
         <p:nvSpPr>
-          <p:cNvPr id="174" name="Google Shape;174;p27"/>
+          <p:cNvPr id="175" name="Google Shape;175;p27"/>
           <p:cNvSpPr txBox="1"/>
           <p:nvPr/>
         </p:nvSpPr>
@@ -14097,7 +13762,7 @@
   <p:cSld>
     <p:spTree>
       <p:nvGrpSpPr>
-        <p:cNvPr id="77" name="Shape 77"/>
+        <p:cNvPr id="78" name="Shape 78"/>
         <p:cNvGrpSpPr/>
         <p:nvPr/>
       </p:nvGrpSpPr>
@@ -14111,7 +13776,7 @@
       </p:grpSpPr>
       <p:sp>
         <p:nvSpPr>
-          <p:cNvPr id="78" name="Google Shape;78;p14"/>
+          <p:cNvPr id="79" name="Google Shape;79;p14"/>
           <p:cNvSpPr txBox="1"/>
           <p:nvPr>
             <p:ph type="title"/>
@@ -14151,7 +13816,7 @@
       </p:sp>
       <p:sp>
         <p:nvSpPr>
-          <p:cNvPr id="79" name="Google Shape;79;p14"/>
+          <p:cNvPr id="80" name="Google Shape;80;p14"/>
           <p:cNvSpPr txBox="1"/>
           <p:nvPr>
             <p:ph type="title"/>
@@ -14375,7 +14040,7 @@
       </p:sp>
       <p:sp>
         <p:nvSpPr>
-          <p:cNvPr id="80" name="Google Shape;80;p14"/>
+          <p:cNvPr id="81" name="Google Shape;81;p14"/>
           <p:cNvSpPr txBox="1"/>
           <p:nvPr/>
         </p:nvSpPr>
@@ -14421,7 +14086,7 @@
       </p:sp>
       <p:sp>
         <p:nvSpPr>
-          <p:cNvPr id="81" name="Google Shape;81;p14"/>
+          <p:cNvPr id="82" name="Google Shape;82;p14"/>
           <p:cNvSpPr txBox="1"/>
           <p:nvPr>
             <p:ph type="title"/>
@@ -14616,7 +14281,7 @@
   <p:cSld>
     <p:spTree>
       <p:nvGrpSpPr>
-        <p:cNvPr id="85" name="Shape 85"/>
+        <p:cNvPr id="86" name="Shape 86"/>
         <p:cNvGrpSpPr/>
         <p:nvPr/>
       </p:nvGrpSpPr>
@@ -14630,7 +14295,7 @@
       </p:grpSpPr>
       <p:sp>
         <p:nvSpPr>
-          <p:cNvPr id="86" name="Google Shape;86;p15"/>
+          <p:cNvPr id="87" name="Google Shape;87;p15"/>
           <p:cNvSpPr txBox="1"/>
           <p:nvPr>
             <p:ph type="title"/>
@@ -14674,7 +14339,7 @@
       </p:sp>
       <p:sp>
         <p:nvSpPr>
-          <p:cNvPr id="87" name="Google Shape;87;p15"/>
+          <p:cNvPr id="88" name="Google Shape;88;p15"/>
           <p:cNvSpPr txBox="1"/>
           <p:nvPr>
             <p:ph type="title"/>
@@ -14989,7 +14654,7 @@
   <p:cSld>
     <p:spTree>
       <p:nvGrpSpPr>
-        <p:cNvPr id="91" name="Shape 91"/>
+        <p:cNvPr id="92" name="Shape 92"/>
         <p:cNvGrpSpPr/>
         <p:nvPr/>
       </p:nvGrpSpPr>
@@ -15003,7 +14668,7 @@
       </p:grpSpPr>
       <p:sp>
         <p:nvSpPr>
-          <p:cNvPr id="92" name="Google Shape;92;p16"/>
+          <p:cNvPr id="93" name="Google Shape;93;p16"/>
           <p:cNvSpPr txBox="1"/>
           <p:nvPr>
             <p:ph type="title"/>
@@ -15121,7 +14786,7 @@
     </p:bg>
     <p:spTree>
       <p:nvGrpSpPr>
-        <p:cNvPr id="96" name="Shape 96"/>
+        <p:cNvPr id="97" name="Shape 97"/>
         <p:cNvGrpSpPr/>
         <p:nvPr/>
       </p:nvGrpSpPr>
@@ -15135,7 +14800,7 @@
       </p:grpSpPr>
       <p:graphicFrame>
         <p:nvGraphicFramePr>
-          <p:cNvPr id="97" name="Google Shape;97;p17"/>
+          <p:cNvPr id="98" name="Google Shape;98;p17"/>
           <p:cNvGraphicFramePr/>
           <p:nvPr/>
         </p:nvGraphicFramePr>
@@ -15148,7 +14813,7 @@
             <a:tbl>
               <a:tblPr>
                 <a:noFill/>
-                <a:tableStyleId>{01CBEE4E-1B6F-42B5-B0BB-6B8E5D403E6F}</a:tableStyleId>
+                <a:tableStyleId>{6C65D8E8-7129-49ED-8108-80A242429330}</a:tableStyleId>
               </a:tblPr>
               <a:tblGrid>
                 <a:gridCol w="1122075"/>
@@ -16404,7 +16069,7 @@
       </p:graphicFrame>
       <p:sp>
         <p:nvSpPr>
-          <p:cNvPr id="98" name="Google Shape;98;p17"/>
+          <p:cNvPr id="99" name="Google Shape;99;p17"/>
           <p:cNvSpPr txBox="1"/>
           <p:nvPr/>
         </p:nvSpPr>
@@ -16474,7 +16139,7 @@
       </p:sp>
       <p:sp>
         <p:nvSpPr>
-          <p:cNvPr id="99" name="Google Shape;99;p17"/>
+          <p:cNvPr id="100" name="Google Shape;100;p17"/>
           <p:cNvSpPr txBox="1"/>
           <p:nvPr/>
         </p:nvSpPr>
@@ -16574,7 +16239,7 @@
     </p:bg>
     <p:spTree>
       <p:nvGrpSpPr>
-        <p:cNvPr id="103" name="Shape 103"/>
+        <p:cNvPr id="104" name="Shape 104"/>
         <p:cNvGrpSpPr/>
         <p:nvPr/>
       </p:nvGrpSpPr>
@@ -16588,7 +16253,7 @@
       </p:grpSpPr>
       <p:sp>
         <p:nvSpPr>
-          <p:cNvPr id="104" name="Google Shape;104;p18"/>
+          <p:cNvPr id="105" name="Google Shape;105;p18"/>
           <p:cNvSpPr txBox="1"/>
           <p:nvPr/>
         </p:nvSpPr>
@@ -16646,7 +16311,7 @@
       </p:sp>
       <p:sp>
         <p:nvSpPr>
-          <p:cNvPr id="105" name="Google Shape;105;p18"/>
+          <p:cNvPr id="106" name="Google Shape;106;p18"/>
           <p:cNvSpPr txBox="1"/>
           <p:nvPr/>
         </p:nvSpPr>
@@ -16704,7 +16369,7 @@
       </p:sp>
       <p:graphicFrame>
         <p:nvGraphicFramePr>
-          <p:cNvPr id="106" name="Google Shape;106;p18"/>
+          <p:cNvPr id="107" name="Google Shape;107;p18"/>
           <p:cNvGraphicFramePr/>
           <p:nvPr/>
         </p:nvGraphicFramePr>
@@ -16717,7 +16382,7 @@
             <a:tbl>
               <a:tblPr>
                 <a:noFill/>
-                <a:tableStyleId>{01CBEE4E-1B6F-42B5-B0BB-6B8E5D403E6F}</a:tableStyleId>
+                <a:tableStyleId>{6C65D8E8-7129-49ED-8108-80A242429330}</a:tableStyleId>
               </a:tblPr>
               <a:tblGrid>
                 <a:gridCol w="1122075"/>
@@ -17919,7 +17584,7 @@
     </p:bg>
     <p:spTree>
       <p:nvGrpSpPr>
-        <p:cNvPr id="110" name="Shape 110"/>
+        <p:cNvPr id="111" name="Shape 111"/>
         <p:cNvGrpSpPr/>
         <p:nvPr/>
       </p:nvGrpSpPr>
@@ -17933,7 +17598,7 @@
       </p:grpSpPr>
       <p:graphicFrame>
         <p:nvGraphicFramePr>
-          <p:cNvPr id="111" name="Google Shape;111;p19"/>
+          <p:cNvPr id="112" name="Google Shape;112;p19"/>
           <p:cNvGraphicFramePr/>
           <p:nvPr/>
         </p:nvGraphicFramePr>
@@ -17946,7 +17611,7 @@
             <a:tbl>
               <a:tblPr>
                 <a:noFill/>
-                <a:tableStyleId>{01CBEE4E-1B6F-42B5-B0BB-6B8E5D403E6F}</a:tableStyleId>
+                <a:tableStyleId>{6C65D8E8-7129-49ED-8108-80A242429330}</a:tableStyleId>
               </a:tblPr>
               <a:tblGrid>
                 <a:gridCol w="1122075"/>
@@ -19106,7 +18771,7 @@
       </p:graphicFrame>
       <p:sp>
         <p:nvSpPr>
-          <p:cNvPr id="112" name="Google Shape;112;p19"/>
+          <p:cNvPr id="113" name="Google Shape;113;p19"/>
           <p:cNvSpPr txBox="1"/>
           <p:nvPr/>
         </p:nvSpPr>
@@ -19148,7 +18813,7 @@
                 <a:cs typeface="Raleway"/>
                 <a:sym typeface="Raleway"/>
               </a:rPr>
-              <a:t>Neymar </a:t>
+              <a:t>Cleyton </a:t>
             </a:r>
             <a:r>
               <a:rPr b="1" lang="en" sz="2400">
@@ -19176,14 +18841,14 @@
       </p:sp>
       <p:sp>
         <p:nvSpPr>
-          <p:cNvPr id="113" name="Google Shape;113;p19"/>
+          <p:cNvPr id="114" name="Google Shape;114;p19"/>
           <p:cNvSpPr txBox="1"/>
           <p:nvPr/>
         </p:nvSpPr>
         <p:spPr>
           <a:xfrm>
             <a:off x="405750" y="1371138"/>
-            <a:ext cx="3658800" cy="1416000"/>
+            <a:ext cx="3658800" cy="1908600"/>
           </a:xfrm>
           <a:prstGeom prst="rect">
             <a:avLst/>
@@ -19218,7 +18883,7 @@
                 <a:cs typeface="Lato"/>
                 <a:sym typeface="Lato"/>
               </a:rPr>
-              <a:t>Neymar é um adolescente que deseja investir em sua carreira como jogador de futebol. Precisa equilibrar o uso de sua mesada entre lazer </a:t>
+              <a:t>Cleyton é um adolescente de 18 anos que deseja investir em sua carreira como jogador de futebol. Ele utiliza muito seu celular para ver suas redes sociais e sites de esportes. Precisa equilibrar o uso de sua mesada entre lazer </a:t>
             </a:r>
             <a:r>
               <a:rPr lang="en" sz="1600">
@@ -19269,7 +18934,7 @@
   <p:cSld>
     <p:spTree>
       <p:nvGrpSpPr>
-        <p:cNvPr id="117" name="Shape 117"/>
+        <p:cNvPr id="118" name="Shape 118"/>
         <p:cNvGrpSpPr/>
         <p:nvPr/>
       </p:nvGrpSpPr>
@@ -19283,155 +18948,7 @@
       </p:grpSpPr>
       <p:sp>
         <p:nvSpPr>
-          <p:cNvPr id="118" name="Google Shape;118;p20"/>
-          <p:cNvSpPr txBox="1"/>
-          <p:nvPr>
-            <p:ph type="title"/>
-          </p:nvPr>
-        </p:nvSpPr>
-        <p:spPr>
-          <a:xfrm>
-            <a:off x="853950" y="535175"/>
-            <a:ext cx="7436100" cy="1538400"/>
-          </a:xfrm>
-          <a:prstGeom prst="rect">
-            <a:avLst/>
-          </a:prstGeom>
-        </p:spPr>
-        <p:txBody>
-          <a:bodyPr anchorCtr="0" anchor="t" bIns="91425" lIns="91425" spcFirstLastPara="1" rIns="91425" wrap="square" tIns="91425">
-            <a:normAutofit/>
-          </a:bodyPr>
-          <a:lstStyle/>
-          <a:p>
-            <a:pPr indent="0" lvl="0" marL="0" rtl="0" algn="ctr">
-              <a:spcBef>
-                <a:spcPts val="0"/>
-              </a:spcBef>
-              <a:spcAft>
-                <a:spcPts val="1600"/>
-              </a:spcAft>
-              <a:buNone/>
-            </a:pPr>
-            <a:r>
-              <a:rPr lang="en" sz="3600"/>
-              <a:t>Proposta de valor</a:t>
-            </a:r>
-            <a:endParaRPr sz="3600"/>
-          </a:p>
-        </p:txBody>
-      </p:sp>
-      <p:sp>
-        <p:nvSpPr>
           <p:cNvPr id="119" name="Google Shape;119;p20"/>
-          <p:cNvSpPr txBox="1"/>
-          <p:nvPr>
-            <p:ph type="title"/>
-          </p:nvPr>
-        </p:nvSpPr>
-        <p:spPr>
-          <a:xfrm>
-            <a:off x="535775" y="1835375"/>
-            <a:ext cx="8056500" cy="3105600"/>
-          </a:xfrm>
-          <a:prstGeom prst="rect">
-            <a:avLst/>
-          </a:prstGeom>
-        </p:spPr>
-        <p:txBody>
-          <a:bodyPr anchorCtr="0" anchor="t" bIns="91425" lIns="91425" spcFirstLastPara="1" rIns="91425" wrap="square" tIns="91425">
-            <a:normAutofit/>
-          </a:bodyPr>
-          <a:lstStyle/>
-          <a:p>
-            <a:pPr indent="0" lvl="0" marL="0" rtl="0" algn="ctr">
-              <a:spcBef>
-                <a:spcPts val="0"/>
-              </a:spcBef>
-              <a:spcAft>
-                <a:spcPts val="0"/>
-              </a:spcAft>
-              <a:buClr>
-                <a:schemeClr val="dk2"/>
-              </a:buClr>
-              <a:buSzPts val="1100"/>
-              <a:buFont typeface="Arial"/>
-              <a:buNone/>
-            </a:pPr>
-            <a:r>
-              <a:rPr b="0" lang="en" sz="1800">
-                <a:solidFill>
-                  <a:schemeClr val="dk2"/>
-                </a:solidFill>
-                <a:latin typeface="Raleway"/>
-                <a:ea typeface="Raleway"/>
-                <a:cs typeface="Raleway"/>
-                <a:sym typeface="Raleway"/>
-              </a:rPr>
-              <a:t>Ser um app de cupons que ajuda pessoas a economizar dinheiro por intermédio de compartilhamento de descontos e promoções em um só lugar.</a:t>
-            </a:r>
-            <a:endParaRPr b="0" sz="1800">
-              <a:solidFill>
-                <a:schemeClr val="dk2"/>
-              </a:solidFill>
-              <a:latin typeface="Raleway"/>
-              <a:ea typeface="Raleway"/>
-              <a:cs typeface="Raleway"/>
-              <a:sym typeface="Raleway"/>
-            </a:endParaRPr>
-          </a:p>
-          <a:p>
-            <a:pPr indent="0" lvl="0" marL="457200" rtl="0" algn="l">
-              <a:lnSpc>
-                <a:spcPct val="150000"/>
-              </a:lnSpc>
-              <a:spcBef>
-                <a:spcPts val="1000"/>
-              </a:spcBef>
-              <a:spcAft>
-                <a:spcPts val="1600"/>
-              </a:spcAft>
-              <a:buNone/>
-            </a:pPr>
-            <a:r>
-              <a:t/>
-            </a:r>
-            <a:endParaRPr b="0" sz="1800">
-              <a:solidFill>
-                <a:schemeClr val="dk2"/>
-              </a:solidFill>
-            </a:endParaRPr>
-          </a:p>
-        </p:txBody>
-      </p:sp>
-    </p:spTree>
-  </p:cSld>
-  <p:clrMapOvr>
-    <a:masterClrMapping/>
-  </p:clrMapOvr>
-</p:sld>
-</file>
-
-<file path=ppt/slides/slide9.xml><?xml version="1.0" encoding="utf-8"?>
-<p:sld xmlns:a="http://schemas.openxmlformats.org/drawingml/2006/main" xmlns:r="http://schemas.openxmlformats.org/officeDocument/2006/relationships" xmlns:mc="http://schemas.openxmlformats.org/markup-compatibility/2006" xmlns:mv="urn:schemas-microsoft-com:mac:vml" xmlns:p="http://schemas.openxmlformats.org/presentationml/2006/main" xmlns:c="http://schemas.openxmlformats.org/drawingml/2006/chart" xmlns:dgm="http://schemas.openxmlformats.org/drawingml/2006/diagram" xmlns:o="urn:schemas-microsoft-com:office:office" xmlns:v="urn:schemas-microsoft-com:vml" xmlns:pvml="urn:schemas-microsoft-com:office:powerpoint" xmlns:com="http://schemas.openxmlformats.org/drawingml/2006/compatibility" xmlns:p14="http://schemas.microsoft.com/office/powerpoint/2010/main" xmlns:p15="http://schemas.microsoft.com/office/powerpoint/2012/main" xmlns:ahyp="http://schemas.microsoft.com/office/drawing/2018/hyperlinkcolor">
-  <p:cSld>
-    <p:spTree>
-      <p:nvGrpSpPr>
-        <p:cNvPr id="123" name="Shape 123"/>
-        <p:cNvGrpSpPr/>
-        <p:nvPr/>
-      </p:nvGrpSpPr>
-      <p:grpSpPr>
-        <a:xfrm>
-          <a:off x="0" y="0"/>
-          <a:ext cx="0" cy="0"/>
-          <a:chOff x="0" y="0"/>
-          <a:chExt cx="0" cy="0"/>
-        </a:xfrm>
-      </p:grpSpPr>
-      <p:sp>
-        <p:nvSpPr>
-          <p:cNvPr id="124" name="Google Shape;124;p21"/>
           <p:cNvSpPr txBox="1"/>
           <p:nvPr>
             <p:ph type="title"/>
@@ -19472,7 +18989,7 @@
       </p:sp>
       <p:graphicFrame>
         <p:nvGraphicFramePr>
-          <p:cNvPr id="125" name="Google Shape;125;p21"/>
+          <p:cNvPr id="120" name="Google Shape;120;p20"/>
           <p:cNvGraphicFramePr/>
           <p:nvPr/>
         </p:nvGraphicFramePr>
@@ -19485,7 +19002,7 @@
             <a:tbl>
               <a:tblPr>
                 <a:noFill/>
-                <a:tableStyleId>{01CBEE4E-1B6F-42B5-B0BB-6B8E5D403E6F}</a:tableStyleId>
+                <a:tableStyleId>{6C65D8E8-7129-49ED-8108-80A242429330}</a:tableStyleId>
               </a:tblPr>
               <a:tblGrid>
                 <a:gridCol w="2622250"/>
@@ -19733,7 +19250,7 @@
                       </a:pPr>
                       <a:r>
                         <a:rPr lang="en" sz="1000"/>
-                        <a:t>Design imperfeito do pop-up do cupom</a:t>
+                        <a:t>Design do pop-up do cupom</a:t>
                       </a:r>
                       <a:endParaRPr sz="1000"/>
                     </a:p>
@@ -19758,7 +19275,7 @@
                       </a:pPr>
                       <a:r>
                         <a:rPr lang="en" sz="1000"/>
-                        <a:t>Ranking de melhores cupons</a:t>
+                        <a:t>Melhores cupons / Melhores cashbacks</a:t>
                       </a:r>
                       <a:endParaRPr/>
                     </a:p>
@@ -19786,7 +19303,11 @@
                       </a:pPr>
                       <a:r>
                         <a:rPr lang="en" sz="1000"/>
-                        <a:t>Falta de acessibilidade (Libras)</a:t>
+                        <a:t>A</a:t>
+                      </a:r>
+                      <a:r>
+                        <a:rPr lang="en" sz="1000"/>
+                        <a:t>cessibilidade (Libras)</a:t>
                       </a:r>
                       <a:endParaRPr sz="1000"/>
                     </a:p>
@@ -19848,7 +19369,7 @@
       </p:graphicFrame>
       <p:pic>
         <p:nvPicPr>
-          <p:cNvPr id="126" name="Google Shape;126;p21"/>
+          <p:cNvPr id="121" name="Google Shape;121;p20"/>
           <p:cNvPicPr preferRelativeResize="0"/>
           <p:nvPr/>
         </p:nvPicPr>
@@ -19876,7 +19397,7 @@
       </p:pic>
       <p:pic>
         <p:nvPicPr>
-          <p:cNvPr id="127" name="Google Shape;127;p21"/>
+          <p:cNvPr id="122" name="Google Shape;122;p20"/>
           <p:cNvPicPr preferRelativeResize="0"/>
           <p:nvPr/>
         </p:nvPicPr>
@@ -19902,6 +19423,529 @@
           </a:ln>
         </p:spPr>
       </p:pic>
+    </p:spTree>
+  </p:cSld>
+  <p:clrMapOvr>
+    <a:masterClrMapping/>
+  </p:clrMapOvr>
+</p:sld>
+</file>
+
+<file path=ppt/slides/slide9.xml><?xml version="1.0" encoding="utf-8"?>
+<p:sld xmlns:a="http://schemas.openxmlformats.org/drawingml/2006/main" xmlns:r="http://schemas.openxmlformats.org/officeDocument/2006/relationships" xmlns:mc="http://schemas.openxmlformats.org/markup-compatibility/2006" xmlns:mv="urn:schemas-microsoft-com:mac:vml" xmlns:p="http://schemas.openxmlformats.org/presentationml/2006/main" xmlns:c="http://schemas.openxmlformats.org/drawingml/2006/chart" xmlns:dgm="http://schemas.openxmlformats.org/drawingml/2006/diagram" xmlns:o="urn:schemas-microsoft-com:office:office" xmlns:v="urn:schemas-microsoft-com:vml" xmlns:pvml="urn:schemas-microsoft-com:office:powerpoint" xmlns:com="http://schemas.openxmlformats.org/drawingml/2006/compatibility" xmlns:p14="http://schemas.microsoft.com/office/powerpoint/2010/main" xmlns:p15="http://schemas.microsoft.com/office/powerpoint/2012/main" xmlns:ahyp="http://schemas.microsoft.com/office/drawing/2018/hyperlinkcolor">
+  <p:cSld>
+    <p:spTree>
+      <p:nvGrpSpPr>
+        <p:cNvPr id="126" name="Shape 126"/>
+        <p:cNvGrpSpPr/>
+        <p:nvPr/>
+      </p:nvGrpSpPr>
+      <p:grpSpPr>
+        <a:xfrm>
+          <a:off x="0" y="0"/>
+          <a:ext cx="0" cy="0"/>
+          <a:chOff x="0" y="0"/>
+          <a:chExt cx="0" cy="0"/>
+        </a:xfrm>
+      </p:grpSpPr>
+      <p:pic>
+        <p:nvPicPr>
+          <p:cNvPr id="127" name="Google Shape;127;p21"/>
+          <p:cNvPicPr preferRelativeResize="0"/>
+          <p:nvPr/>
+        </p:nvPicPr>
+        <p:blipFill>
+          <a:blip r:embed="rId3">
+            <a:alphaModFix/>
+          </a:blip>
+          <a:stretch>
+            <a:fillRect/>
+          </a:stretch>
+        </p:blipFill>
+        <p:spPr>
+          <a:xfrm>
+            <a:off x="173300" y="1754700"/>
+            <a:ext cx="1097625" cy="2399287"/>
+          </a:xfrm>
+          <a:prstGeom prst="rect">
+            <a:avLst/>
+          </a:prstGeom>
+          <a:noFill/>
+          <a:ln>
+            <a:noFill/>
+          </a:ln>
+        </p:spPr>
+      </p:pic>
+      <p:pic>
+        <p:nvPicPr>
+          <p:cNvPr id="128" name="Google Shape;128;p21"/>
+          <p:cNvPicPr preferRelativeResize="0"/>
+          <p:nvPr/>
+        </p:nvPicPr>
+        <p:blipFill>
+          <a:blip r:embed="rId4">
+            <a:alphaModFix/>
+          </a:blip>
+          <a:stretch>
+            <a:fillRect/>
+          </a:stretch>
+        </p:blipFill>
+        <p:spPr>
+          <a:xfrm>
+            <a:off x="1400875" y="1754700"/>
+            <a:ext cx="1097625" cy="2399276"/>
+          </a:xfrm>
+          <a:prstGeom prst="rect">
+            <a:avLst/>
+          </a:prstGeom>
+          <a:noFill/>
+          <a:ln>
+            <a:noFill/>
+          </a:ln>
+        </p:spPr>
+      </p:pic>
+      <p:pic>
+        <p:nvPicPr>
+          <p:cNvPr id="129" name="Google Shape;129;p21"/>
+          <p:cNvPicPr preferRelativeResize="0"/>
+          <p:nvPr/>
+        </p:nvPicPr>
+        <p:blipFill>
+          <a:blip r:embed="rId5">
+            <a:alphaModFix/>
+          </a:blip>
+          <a:stretch>
+            <a:fillRect/>
+          </a:stretch>
+        </p:blipFill>
+        <p:spPr>
+          <a:xfrm>
+            <a:off x="2628438" y="1754700"/>
+            <a:ext cx="1097650" cy="2399276"/>
+          </a:xfrm>
+          <a:prstGeom prst="rect">
+            <a:avLst/>
+          </a:prstGeom>
+          <a:noFill/>
+          <a:ln>
+            <a:noFill/>
+          </a:ln>
+        </p:spPr>
+      </p:pic>
+      <p:sp>
+        <p:nvSpPr>
+          <p:cNvPr id="130" name="Google Shape;130;p21"/>
+          <p:cNvSpPr txBox="1"/>
+          <p:nvPr/>
+        </p:nvSpPr>
+        <p:spPr>
+          <a:xfrm>
+            <a:off x="5408525" y="238350"/>
+            <a:ext cx="1097700" cy="400200"/>
+          </a:xfrm>
+          <a:prstGeom prst="rect">
+            <a:avLst/>
+          </a:prstGeom>
+          <a:noFill/>
+          <a:ln>
+            <a:noFill/>
+          </a:ln>
+        </p:spPr>
+        <p:txBody>
+          <a:bodyPr anchorCtr="0" anchor="t" bIns="91425" lIns="91425" spcFirstLastPara="1" rIns="91425" wrap="square" tIns="91425">
+            <a:spAutoFit/>
+          </a:bodyPr>
+          <a:lstStyle/>
+          <a:p>
+            <a:pPr indent="0" lvl="0" marL="0" rtl="0" algn="l">
+              <a:spcBef>
+                <a:spcPts val="0"/>
+              </a:spcBef>
+              <a:spcAft>
+                <a:spcPts val="0"/>
+              </a:spcAft>
+              <a:buNone/>
+            </a:pPr>
+            <a:r>
+              <a:t/>
+            </a:r>
+            <a:endParaRPr>
+              <a:latin typeface="Lato"/>
+              <a:ea typeface="Lato"/>
+              <a:cs typeface="Lato"/>
+              <a:sym typeface="Lato"/>
+            </a:endParaRPr>
+          </a:p>
+        </p:txBody>
+      </p:sp>
+      <p:graphicFrame>
+        <p:nvGraphicFramePr>
+          <p:cNvPr id="131" name="Google Shape;131;p21"/>
+          <p:cNvGraphicFramePr/>
+          <p:nvPr/>
+        </p:nvGraphicFramePr>
+        <p:xfrm>
+          <a:off x="3936975" y="1512813"/>
+          <a:ext cx="3000000" cy="3000000"/>
+        </p:xfrm>
+        <a:graphic>
+          <a:graphicData uri="http://schemas.openxmlformats.org/drawingml/2006/table">
+            <a:tbl>
+              <a:tblPr>
+                <a:noFill/>
+                <a:tableStyleId>{6C65D8E8-7129-49ED-8108-80A242429330}</a:tableStyleId>
+              </a:tblPr>
+              <a:tblGrid>
+                <a:gridCol w="2456250"/>
+                <a:gridCol w="2456250"/>
+              </a:tblGrid>
+              <a:tr h="466225">
+                <a:tc>
+                  <a:txBody>
+                    <a:bodyPr/>
+                    <a:lstStyle/>
+                    <a:p>
+                      <a:pPr indent="0" lvl="0" marL="0" rtl="0" algn="ctr">
+                        <a:spcBef>
+                          <a:spcPts val="0"/>
+                        </a:spcBef>
+                        <a:spcAft>
+                          <a:spcPts val="0"/>
+                        </a:spcAft>
+                        <a:buNone/>
+                      </a:pPr>
+                      <a:r>
+                        <a:rPr b="1" lang="en" sz="1000"/>
+                        <a:t>PRÓS</a:t>
+                      </a:r>
+                      <a:endParaRPr b="1" sz="1000"/>
+                    </a:p>
+                  </a:txBody>
+                  <a:tcPr marT="91425" marB="91425" marR="91425" marL="91425"/>
+                </a:tc>
+                <a:tc>
+                  <a:txBody>
+                    <a:bodyPr/>
+                    <a:lstStyle/>
+                    <a:p>
+                      <a:pPr indent="0" lvl="0" marL="0" rtl="0" algn="ctr">
+                        <a:spcBef>
+                          <a:spcPts val="0"/>
+                        </a:spcBef>
+                        <a:spcAft>
+                          <a:spcPts val="0"/>
+                        </a:spcAft>
+                        <a:buNone/>
+                      </a:pPr>
+                      <a:r>
+                        <a:rPr b="1" lang="en" sz="1000"/>
+                        <a:t>CONTRAS</a:t>
+                      </a:r>
+                      <a:endParaRPr b="1" sz="1000"/>
+                    </a:p>
+                  </a:txBody>
+                  <a:tcPr marT="91425" marB="91425" marR="91425" marL="91425"/>
+                </a:tc>
+              </a:tr>
+              <a:tr h="466225">
+                <a:tc>
+                  <a:txBody>
+                    <a:bodyPr/>
+                    <a:lstStyle/>
+                    <a:p>
+                      <a:pPr indent="0" lvl="0" marL="0" rtl="0" algn="l">
+                        <a:spcBef>
+                          <a:spcPts val="0"/>
+                        </a:spcBef>
+                        <a:spcAft>
+                          <a:spcPts val="0"/>
+                        </a:spcAft>
+                        <a:buNone/>
+                      </a:pPr>
+                      <a:r>
+                        <a:rPr lang="en" sz="1000"/>
+                        <a:t>Personalizar alertas de descontos </a:t>
+                      </a:r>
+                      <a:endParaRPr sz="1000"/>
+                    </a:p>
+                  </a:txBody>
+                  <a:tcPr marT="91425" marB="91425" marR="91425" marL="91425"/>
+                </a:tc>
+                <a:tc>
+                  <a:txBody>
+                    <a:bodyPr/>
+                    <a:lstStyle/>
+                    <a:p>
+                      <a:pPr indent="0" lvl="0" marL="0" rtl="0" algn="l">
+                        <a:spcBef>
+                          <a:spcPts val="0"/>
+                        </a:spcBef>
+                        <a:spcAft>
+                          <a:spcPts val="0"/>
+                        </a:spcAft>
+                        <a:buNone/>
+                      </a:pPr>
+                      <a:r>
+                        <a:rPr lang="en" sz="1000"/>
+                        <a:t>Nenhuma gamificação ao se cadastrar no app</a:t>
+                      </a:r>
+                      <a:endParaRPr sz="1000"/>
+                    </a:p>
+                  </a:txBody>
+                  <a:tcPr marT="91425" marB="91425" marR="91425" marL="91425"/>
+                </a:tc>
+              </a:tr>
+              <a:tr h="466225">
+                <a:tc>
+                  <a:txBody>
+                    <a:bodyPr/>
+                    <a:lstStyle/>
+                    <a:p>
+                      <a:pPr indent="0" lvl="0" marL="0" rtl="0" algn="l">
+                        <a:spcBef>
+                          <a:spcPts val="0"/>
+                        </a:spcBef>
+                        <a:spcAft>
+                          <a:spcPts val="0"/>
+                        </a:spcAft>
+                        <a:buNone/>
+                      </a:pPr>
+                      <a:r>
+                        <a:rPr lang="en" sz="1000"/>
+                        <a:t>Feedbacks dos usuários </a:t>
+                      </a:r>
+                      <a:endParaRPr sz="1000"/>
+                    </a:p>
+                  </a:txBody>
+                  <a:tcPr marT="91425" marB="91425" marR="91425" marL="91425"/>
+                </a:tc>
+                <a:tc>
+                  <a:txBody>
+                    <a:bodyPr/>
+                    <a:lstStyle/>
+                    <a:p>
+                      <a:pPr indent="0" lvl="0" marL="0" rtl="0" algn="l">
+                        <a:spcBef>
+                          <a:spcPts val="0"/>
+                        </a:spcBef>
+                        <a:spcAft>
+                          <a:spcPts val="0"/>
+                        </a:spcAft>
+                        <a:buNone/>
+                      </a:pPr>
+                      <a:r>
+                        <a:rPr lang="en" sz="1000"/>
+                        <a:t>Possibilidade de promoções/cupons expirados </a:t>
+                      </a:r>
+                      <a:endParaRPr sz="1000"/>
+                    </a:p>
+                  </a:txBody>
+                  <a:tcPr marT="91425" marB="91425" marR="91425" marL="91425"/>
+                </a:tc>
+              </a:tr>
+              <a:tr h="466225">
+                <a:tc>
+                  <a:txBody>
+                    <a:bodyPr/>
+                    <a:lstStyle/>
+                    <a:p>
+                      <a:pPr indent="0" lvl="0" marL="0" rtl="0" algn="l">
+                        <a:spcBef>
+                          <a:spcPts val="0"/>
+                        </a:spcBef>
+                        <a:spcAft>
+                          <a:spcPts val="0"/>
+                        </a:spcAft>
+                        <a:buNone/>
+                      </a:pPr>
+                      <a:r>
+                        <a:rPr lang="en" sz="1000"/>
+                        <a:t>Todas as lojas disponíveis com descontos</a:t>
+                      </a:r>
+                      <a:endParaRPr sz="1000"/>
+                    </a:p>
+                  </a:txBody>
+                  <a:tcPr marT="91425" marB="91425" marR="91425" marL="91425"/>
+                </a:tc>
+                <a:tc>
+                  <a:txBody>
+                    <a:bodyPr/>
+                    <a:lstStyle/>
+                    <a:p>
+                      <a:pPr indent="0" lvl="0" marL="0" rtl="0" algn="l">
+                        <a:spcBef>
+                          <a:spcPts val="0"/>
+                        </a:spcBef>
+                        <a:spcAft>
+                          <a:spcPts val="0"/>
+                        </a:spcAft>
+                        <a:buNone/>
+                      </a:pPr>
+                      <a:r>
+                        <a:t/>
+                      </a:r>
+                      <a:endParaRPr/>
+                    </a:p>
+                  </a:txBody>
+                  <a:tcPr marT="91425" marB="91425" marR="91425" marL="91425"/>
+                </a:tc>
+              </a:tr>
+              <a:tr h="466225">
+                <a:tc>
+                  <a:txBody>
+                    <a:bodyPr/>
+                    <a:lstStyle/>
+                    <a:p>
+                      <a:pPr indent="0" lvl="0" marL="0" rtl="0" algn="l">
+                        <a:spcBef>
+                          <a:spcPts val="0"/>
+                        </a:spcBef>
+                        <a:spcAft>
+                          <a:spcPts val="0"/>
+                        </a:spcAft>
+                        <a:buNone/>
+                      </a:pPr>
+                      <a:r>
+                        <a:rPr lang="en" sz="1000"/>
+                        <a:t>Não precisa se cadastrar para conseguir as promoções/cupons</a:t>
+                      </a:r>
+                      <a:endParaRPr sz="1000"/>
+                    </a:p>
+                  </a:txBody>
+                  <a:tcPr marT="91425" marB="91425" marR="91425" marL="91425"/>
+                </a:tc>
+                <a:tc>
+                  <a:txBody>
+                    <a:bodyPr/>
+                    <a:lstStyle/>
+                    <a:p>
+                      <a:pPr indent="0" lvl="0" marL="0" rtl="0" algn="l">
+                        <a:spcBef>
+                          <a:spcPts val="0"/>
+                        </a:spcBef>
+                        <a:spcAft>
+                          <a:spcPts val="0"/>
+                        </a:spcAft>
+                        <a:buNone/>
+                      </a:pPr>
+                      <a:r>
+                        <a:t/>
+                      </a:r>
+                      <a:endParaRPr/>
+                    </a:p>
+                  </a:txBody>
+                  <a:tcPr marT="91425" marB="91425" marR="91425" marL="91425"/>
+                </a:tc>
+              </a:tr>
+              <a:tr h="466225">
+                <a:tc>
+                  <a:txBody>
+                    <a:bodyPr/>
+                    <a:lstStyle/>
+                    <a:p>
+                      <a:pPr indent="0" lvl="0" marL="0" rtl="0" algn="l">
+                        <a:spcBef>
+                          <a:spcPts val="0"/>
+                        </a:spcBef>
+                        <a:spcAft>
+                          <a:spcPts val="0"/>
+                        </a:spcAft>
+                        <a:buNone/>
+                      </a:pPr>
+                      <a:r>
+                        <a:rPr lang="en" sz="1000"/>
+                        <a:t>Ranking de melhores cupons e promoções</a:t>
+                      </a:r>
+                      <a:endParaRPr sz="1000"/>
+                    </a:p>
+                  </a:txBody>
+                  <a:tcPr marT="91425" marB="91425" marR="91425" marL="91425"/>
+                </a:tc>
+                <a:tc>
+                  <a:txBody>
+                    <a:bodyPr/>
+                    <a:lstStyle/>
+                    <a:p>
+                      <a:pPr indent="0" lvl="0" marL="0" rtl="0" algn="l">
+                        <a:spcBef>
+                          <a:spcPts val="0"/>
+                        </a:spcBef>
+                        <a:spcAft>
+                          <a:spcPts val="0"/>
+                        </a:spcAft>
+                        <a:buNone/>
+                      </a:pPr>
+                      <a:r>
+                        <a:t/>
+                      </a:r>
+                      <a:endParaRPr/>
+                    </a:p>
+                  </a:txBody>
+                  <a:tcPr marT="91425" marB="91425" marR="91425" marL="91425"/>
+                </a:tc>
+              </a:tr>
+            </a:tbl>
+          </a:graphicData>
+        </a:graphic>
+      </p:graphicFrame>
+      <p:sp>
+        <p:nvSpPr>
+          <p:cNvPr id="132" name="Google Shape;132;p21"/>
+          <p:cNvSpPr txBox="1"/>
+          <p:nvPr/>
+        </p:nvSpPr>
+        <p:spPr>
+          <a:xfrm>
+            <a:off x="258225" y="666475"/>
+            <a:ext cx="8214300" cy="708000"/>
+          </a:xfrm>
+          <a:prstGeom prst="rect">
+            <a:avLst/>
+          </a:prstGeom>
+          <a:noFill/>
+          <a:ln>
+            <a:noFill/>
+          </a:ln>
+        </p:spPr>
+        <p:txBody>
+          <a:bodyPr anchorCtr="0" anchor="t" bIns="91425" lIns="91425" spcFirstLastPara="1" rIns="91425" wrap="square" tIns="91425">
+            <a:spAutoFit/>
+          </a:bodyPr>
+          <a:lstStyle/>
+          <a:p>
+            <a:pPr indent="0" lvl="0" marL="0" rtl="0" algn="ctr">
+              <a:spcBef>
+                <a:spcPts val="0"/>
+              </a:spcBef>
+              <a:spcAft>
+                <a:spcPts val="1600"/>
+              </a:spcAft>
+              <a:buNone/>
+            </a:pPr>
+            <a:r>
+              <a:rPr b="1" lang="en" sz="3400">
+                <a:solidFill>
+                  <a:schemeClr val="dk1"/>
+                </a:solidFill>
+                <a:latin typeface="Lato"/>
+                <a:ea typeface="Lato"/>
+                <a:cs typeface="Lato"/>
+                <a:sym typeface="Lato"/>
+              </a:rPr>
+              <a:t>Análise de Competitividade - Pelando	</a:t>
+            </a:r>
+            <a:endParaRPr b="1" sz="3400">
+              <a:solidFill>
+                <a:schemeClr val="dk1"/>
+              </a:solidFill>
+              <a:latin typeface="Lato"/>
+              <a:ea typeface="Lato"/>
+              <a:cs typeface="Lato"/>
+              <a:sym typeface="Lato"/>
+            </a:endParaRPr>
+          </a:p>
+        </p:txBody>
+      </p:sp>
     </p:spTree>
   </p:cSld>
   <p:clrMapOvr>
